--- a/presentations/Project_Presentation.pptx
+++ b/presentations/Project_Presentation.pptx
@@ -209,7 +209,7 @@
           <a:p>
             <a:fld id="{58EB3704-C506-42ED-8BB6-C32DFE2F504A}" type="datetimeFigureOut">
               <a:rPr lang="en-US" smtClean="0"/>
-              <a:t>8/2/2023</a:t>
+              <a:t>8/7/2023</a:t>
             </a:fld>
             <a:endParaRPr lang="en-US"/>
           </a:p>
@@ -608,7 +608,7 @@
           <a:p>
             <a:fld id="{4872CB16-284D-4981-AC2B-9644563E8954}" type="datetime1">
               <a:rPr lang="en-US" smtClean="0"/>
-              <a:t>8/2/2023</a:t>
+              <a:t>8/7/2023</a:t>
             </a:fld>
             <a:endParaRPr lang="en-US"/>
           </a:p>
@@ -778,7 +778,7 @@
           <a:p>
             <a:fld id="{E2B3EC8E-9C7F-4DB4-AD52-34F1EDA5D5E3}" type="datetime1">
               <a:rPr lang="en-US" smtClean="0"/>
-              <a:t>8/2/2023</a:t>
+              <a:t>8/7/2023</a:t>
             </a:fld>
             <a:endParaRPr lang="en-US"/>
           </a:p>
@@ -958,7 +958,7 @@
           <a:p>
             <a:fld id="{B14A1654-6B47-45C5-9345-2B700B251B96}" type="datetime1">
               <a:rPr lang="en-US" smtClean="0"/>
-              <a:t>8/2/2023</a:t>
+              <a:t>8/7/2023</a:t>
             </a:fld>
             <a:endParaRPr lang="en-US"/>
           </a:p>
@@ -1128,7 +1128,7 @@
           <a:p>
             <a:fld id="{9E0F2F47-461E-4728-BF06-1140392339BC}" type="datetime1">
               <a:rPr lang="en-US" smtClean="0"/>
-              <a:t>8/2/2023</a:t>
+              <a:t>8/7/2023</a:t>
             </a:fld>
             <a:endParaRPr lang="en-US"/>
           </a:p>
@@ -1374,7 +1374,7 @@
           <a:p>
             <a:fld id="{0695620C-AEDE-4F30-93EF-3C6F4A5B9D2A}" type="datetime1">
               <a:rPr lang="en-US" smtClean="0"/>
-              <a:t>8/2/2023</a:t>
+              <a:t>8/7/2023</a:t>
             </a:fld>
             <a:endParaRPr lang="en-US"/>
           </a:p>
@@ -1606,7 +1606,7 @@
           <a:p>
             <a:fld id="{5E0433C9-C579-454E-AC2B-133AE32B78F5}" type="datetime1">
               <a:rPr lang="en-US" smtClean="0"/>
-              <a:t>8/2/2023</a:t>
+              <a:t>8/7/2023</a:t>
             </a:fld>
             <a:endParaRPr lang="en-US"/>
           </a:p>
@@ -1973,7 +1973,7 @@
           <a:p>
             <a:fld id="{EDFC1267-8649-4D9F-B5EC-C0C4D3215149}" type="datetime1">
               <a:rPr lang="en-US" smtClean="0"/>
-              <a:t>8/2/2023</a:t>
+              <a:t>8/7/2023</a:t>
             </a:fld>
             <a:endParaRPr lang="en-US"/>
           </a:p>
@@ -2091,7 +2091,7 @@
           <a:p>
             <a:fld id="{9D46C735-743D-45A0-97E4-1D76DB50A0AA}" type="datetime1">
               <a:rPr lang="en-US" smtClean="0"/>
-              <a:t>8/2/2023</a:t>
+              <a:t>8/7/2023</a:t>
             </a:fld>
             <a:endParaRPr lang="en-US"/>
           </a:p>
@@ -2186,7 +2186,7 @@
           <a:p>
             <a:fld id="{4783D69A-4302-4191-8457-30B1D75E172B}" type="datetime1">
               <a:rPr lang="en-US" smtClean="0"/>
-              <a:t>8/2/2023</a:t>
+              <a:t>8/7/2023</a:t>
             </a:fld>
             <a:endParaRPr lang="en-US"/>
           </a:p>
@@ -2463,7 +2463,7 @@
           <a:p>
             <a:fld id="{D8315D45-3C15-4E7D-BD12-47C9B57D6D1E}" type="datetime1">
               <a:rPr lang="en-US" smtClean="0"/>
-              <a:t>8/2/2023</a:t>
+              <a:t>8/7/2023</a:t>
             </a:fld>
             <a:endParaRPr lang="en-US"/>
           </a:p>
@@ -2716,7 +2716,7 @@
           <a:p>
             <a:fld id="{780159AB-24A1-472A-9484-7C943DCBEE88}" type="datetime1">
               <a:rPr lang="en-US" smtClean="0"/>
-              <a:t>8/2/2023</a:t>
+              <a:t>8/7/2023</a:t>
             </a:fld>
             <a:endParaRPr lang="en-US"/>
           </a:p>
@@ -2929,7 +2929,7 @@
           <a:p>
             <a:fld id="{5261D026-D05A-46B1-A3D8-56A3ED27BC7F}" type="datetime1">
               <a:rPr lang="en-US" smtClean="0"/>
-              <a:t>8/2/2023</a:t>
+              <a:t>8/7/2023</a:t>
             </a:fld>
             <a:endParaRPr lang="en-US"/>
           </a:p>
@@ -4510,7 +4510,7 @@
         <p:spPr>
           <a:xfrm>
             <a:off x="1485900" y="4329343"/>
-            <a:ext cx="6815547" cy="2031325"/>
+            <a:ext cx="6815547" cy="2308324"/>
           </a:xfrm>
           <a:prstGeom prst="rect">
             <a:avLst/>
@@ -4585,6 +4585,19 @@
                 <a:cs typeface="Arial" panose="020B0604020202020204" pitchFamily="34" charset="0"/>
               </a:rPr>
               <a:t>Calibrating models trained on balanced data</a:t>
+            </a:r>
+          </a:p>
+          <a:p>
+            <a:pPr marL="285750" indent="-285750">
+              <a:buFont typeface="Arial" panose="020B0604020202020204" pitchFamily="34" charset="0"/>
+              <a:buChar char="•"/>
+            </a:pPr>
+            <a:r>
+              <a:rPr lang="en-US" dirty="0" smtClean="0">
+                <a:latin typeface="Arial" panose="020B0604020202020204" pitchFamily="34" charset="0"/>
+                <a:cs typeface="Arial" panose="020B0604020202020204" pitchFamily="34" charset="0"/>
+              </a:rPr>
+              <a:t>Trying other methods to prevent overfitting</a:t>
             </a:r>
           </a:p>
           <a:p>
@@ -5084,6 +5097,55 @@
                                           <p:spTgt spid="7">
                                             <p:txEl>
                                               <p:pRg st="5" end="5"/>
+                                            </p:txEl>
+                                          </p:spTgt>
+                                        </p:tgtEl>
+                                        <p:attrNameLst>
+                                          <p:attrName>style.visibility</p:attrName>
+                                        </p:attrNameLst>
+                                      </p:cBhvr>
+                                      <p:to>
+                                        <p:strVal val="visible"/>
+                                      </p:to>
+                                    </p:set>
+                                  </p:childTnLst>
+                                </p:cTn>
+                              </p:par>
+                            </p:childTnLst>
+                          </p:cTn>
+                        </p:par>
+                      </p:childTnLst>
+                    </p:cTn>
+                  </p:par>
+                  <p:par>
+                    <p:cTn id="41" fill="hold">
+                      <p:stCondLst>
+                        <p:cond delay="indefinite"/>
+                      </p:stCondLst>
+                      <p:childTnLst>
+                        <p:par>
+                          <p:cTn id="42" fill="hold">
+                            <p:stCondLst>
+                              <p:cond delay="0"/>
+                            </p:stCondLst>
+                            <p:childTnLst>
+                              <p:par>
+                                <p:cTn id="43" presetID="1" presetClass="entr" presetSubtype="0" fill="hold" nodeType="clickEffect">
+                                  <p:stCondLst>
+                                    <p:cond delay="0"/>
+                                  </p:stCondLst>
+                                  <p:childTnLst>
+                                    <p:set>
+                                      <p:cBhvr>
+                                        <p:cTn id="44" dur="1" fill="hold">
+                                          <p:stCondLst>
+                                            <p:cond delay="0"/>
+                                          </p:stCondLst>
+                                        </p:cTn>
+                                        <p:tgtEl>
+                                          <p:spTgt spid="7">
+                                            <p:txEl>
+                                              <p:pRg st="6" end="6"/>
                                             </p:txEl>
                                           </p:spTgt>
                                         </p:tgtEl>
@@ -6410,7 +6472,7 @@
         <p:spPr>
           <a:xfrm>
             <a:off x="838200" y="1493965"/>
-            <a:ext cx="10515600" cy="4524315"/>
+            <a:ext cx="10515600" cy="4247317"/>
           </a:xfrm>
           <a:prstGeom prst="rect">
             <a:avLst/>
@@ -6563,21 +6625,7 @@
                 <a:latin typeface="Arial" panose="020B0604020202020204" pitchFamily="34" charset="0"/>
                 <a:cs typeface="Arial" panose="020B0604020202020204" pitchFamily="34" charset="0"/>
               </a:rPr>
-              <a:t>Practical guidance for selecting appropriate balancing techniques and utilizing </a:t>
-            </a:r>
-            <a:r>
-              <a:rPr lang="en-US" dirty="0" err="1" smtClean="0">
-                <a:latin typeface="Arial" panose="020B0604020202020204" pitchFamily="34" charset="0"/>
-                <a:cs typeface="Arial" panose="020B0604020202020204" pitchFamily="34" charset="0"/>
-              </a:rPr>
-              <a:t>LightGBM's</a:t>
-            </a:r>
-            <a:r>
-              <a:rPr lang="en-US" dirty="0" smtClean="0">
-                <a:latin typeface="Arial" panose="020B0604020202020204" pitchFamily="34" charset="0"/>
-                <a:cs typeface="Arial" panose="020B0604020202020204" pitchFamily="34" charset="0"/>
-              </a:rPr>
-              <a:t> built-in balancing.</a:t>
+              <a:t>Practical guidance for selecting appropriate balancing techniques.</a:t>
             </a:r>
           </a:p>
           <a:p>
